--- a/Slide khoá SIM/Project.pptx
+++ b/Slide khoá SIM/Project.pptx
@@ -2,27 +2,27 @@
 <file path=ppt/presentation.xml><?xml version="1.0" encoding="utf-8"?>
 <p:presentation xmlns:a="http://schemas.openxmlformats.org/drawingml/2006/main" xmlns:r="http://schemas.openxmlformats.org/officeDocument/2006/relationships" xmlns:p="http://schemas.openxmlformats.org/presentationml/2006/main" autoCompressPictures="0">
   <p:sldMasterIdLst>
-    <p:sldMasterId id="2147483879" r:id="rId2"/>
+    <p:sldMasterId id="2147483879" r:id="rId5"/>
   </p:sldMasterIdLst>
   <p:notesMasterIdLst>
-    <p:notesMasterId r:id="rId18"/>
+    <p:notesMasterId r:id="rId21"/>
   </p:notesMasterIdLst>
   <p:sldIdLst>
-    <p:sldId id="256" r:id="rId3"/>
-    <p:sldId id="257" r:id="rId4"/>
-    <p:sldId id="268" r:id="rId5"/>
-    <p:sldId id="258" r:id="rId6"/>
-    <p:sldId id="269" r:id="rId7"/>
-    <p:sldId id="265" r:id="rId8"/>
-    <p:sldId id="270" r:id="rId9"/>
-    <p:sldId id="271" r:id="rId10"/>
-    <p:sldId id="272" r:id="rId11"/>
-    <p:sldId id="264" r:id="rId12"/>
-    <p:sldId id="273" r:id="rId13"/>
-    <p:sldId id="274" r:id="rId14"/>
-    <p:sldId id="275" r:id="rId15"/>
-    <p:sldId id="263" r:id="rId16"/>
-    <p:sldId id="276" r:id="rId17"/>
+    <p:sldId id="256" r:id="rId6"/>
+    <p:sldId id="257" r:id="rId7"/>
+    <p:sldId id="268" r:id="rId8"/>
+    <p:sldId id="258" r:id="rId9"/>
+    <p:sldId id="269" r:id="rId10"/>
+    <p:sldId id="265" r:id="rId11"/>
+    <p:sldId id="270" r:id="rId12"/>
+    <p:sldId id="271" r:id="rId13"/>
+    <p:sldId id="272" r:id="rId14"/>
+    <p:sldId id="264" r:id="rId15"/>
+    <p:sldId id="273" r:id="rId16"/>
+    <p:sldId id="274" r:id="rId17"/>
+    <p:sldId id="275" r:id="rId18"/>
+    <p:sldId id="263" r:id="rId19"/>
+    <p:sldId id="276" r:id="rId20"/>
   </p:sldIdLst>
   <p:sldSz cx="12192000" cy="6858000"/>
   <p:notesSz cx="6858000" cy="9144000"/>
@@ -1043,6 +1043,13 @@
         </dgm:presLayoutVars>
       </dgm:prSet>
       <dgm:spPr/>
+      <dgm:t>
+        <a:bodyPr/>
+        <a:lstStyle/>
+        <a:p>
+          <a:endParaRPr lang="en-US"/>
+        </a:p>
+      </dgm:t>
     </dgm:pt>
     <dgm:pt modelId="{DEC9AF53-FA58-40AE-8FB6-BCDF74C3856B}" type="pres">
       <dgm:prSet presAssocID="{8E243756-C6F4-49EF-B90F-D99E64E3242E}" presName="Name1" presStyleCnt="0"/>
@@ -1059,6 +1066,13 @@
     <dgm:pt modelId="{62D03DE6-3A44-4BCE-B365-E3DBA1D20D19}" type="pres">
       <dgm:prSet presAssocID="{8E243756-C6F4-49EF-B90F-D99E64E3242E}" presName="conn" presStyleLbl="parChTrans1D2" presStyleIdx="0" presStyleCnt="1"/>
       <dgm:spPr/>
+      <dgm:t>
+        <a:bodyPr/>
+        <a:lstStyle/>
+        <a:p>
+          <a:endParaRPr lang="en-US"/>
+        </a:p>
+      </dgm:t>
     </dgm:pt>
     <dgm:pt modelId="{306B155F-B6D7-4A81-B6B3-62604A437642}" type="pres">
       <dgm:prSet presAssocID="{8E243756-C6F4-49EF-B90F-D99E64E3242E}" presName="extraNode" presStyleLbl="node1" presStyleIdx="0" presStyleCnt="4"/>
@@ -1075,6 +1089,13 @@
         </dgm:presLayoutVars>
       </dgm:prSet>
       <dgm:spPr/>
+      <dgm:t>
+        <a:bodyPr/>
+        <a:lstStyle/>
+        <a:p>
+          <a:endParaRPr lang="en-US"/>
+        </a:p>
+      </dgm:t>
     </dgm:pt>
     <dgm:pt modelId="{B8CA7FDC-621A-46DC-BA49-2623286135CE}" type="pres">
       <dgm:prSet presAssocID="{B1B03641-6AE3-41AF-BB42-D4BF4DDC5BA5}" presName="accent_1" presStyleCnt="0"/>
@@ -1091,6 +1112,13 @@
         </dgm:presLayoutVars>
       </dgm:prSet>
       <dgm:spPr/>
+      <dgm:t>
+        <a:bodyPr/>
+        <a:lstStyle/>
+        <a:p>
+          <a:endParaRPr lang="en-US"/>
+        </a:p>
+      </dgm:t>
     </dgm:pt>
     <dgm:pt modelId="{255E7BA9-484C-4DB6-943D-B566763A52DB}" type="pres">
       <dgm:prSet presAssocID="{4B2C5954-B92C-42BE-8AAE-9676BD7374C6}" presName="accent_2" presStyleCnt="0"/>
@@ -1107,6 +1135,13 @@
         </dgm:presLayoutVars>
       </dgm:prSet>
       <dgm:spPr/>
+      <dgm:t>
+        <a:bodyPr/>
+        <a:lstStyle/>
+        <a:p>
+          <a:endParaRPr lang="en-US"/>
+        </a:p>
+      </dgm:t>
     </dgm:pt>
     <dgm:pt modelId="{FB79050E-E0C5-4D12-97F3-AEA74C86A326}" type="pres">
       <dgm:prSet presAssocID="{970CB838-0624-4368-974A-3EA3F2FF5252}" presName="accent_3" presStyleCnt="0"/>
@@ -1123,6 +1158,13 @@
         </dgm:presLayoutVars>
       </dgm:prSet>
       <dgm:spPr/>
+      <dgm:t>
+        <a:bodyPr/>
+        <a:lstStyle/>
+        <a:p>
+          <a:endParaRPr lang="en-US"/>
+        </a:p>
+      </dgm:t>
     </dgm:pt>
     <dgm:pt modelId="{802607D9-E77B-4409-AE2F-8E4F2E93CCBC}" type="pres">
       <dgm:prSet presAssocID="{DED585BD-39B7-4B30-97D9-BC69CD31D1CE}" presName="accent_4" presStyleCnt="0"/>
@@ -1134,16 +1176,16 @@
     </dgm:pt>
   </dgm:ptLst>
   <dgm:cxnLst>
-    <dgm:cxn modelId="{AE81C705-5792-46A8-B49C-8F938660655C}" type="presOf" srcId="{B1B03641-6AE3-41AF-BB42-D4BF4DDC5BA5}" destId="{4EA938E8-62E4-4A49-B46D-1D2DDCA189CF}" srcOrd="0" destOrd="0" presId="urn:microsoft.com/office/officeart/2008/layout/VerticalCurvedList"/>
-    <dgm:cxn modelId="{A6EF700B-0DBE-4A72-8E9A-CB829E0D5987}" type="presOf" srcId="{3AE1B47E-7E06-49AE-A9B7-C7619240783F}" destId="{62D03DE6-3A44-4BCE-B365-E3DBA1D20D19}" srcOrd="0" destOrd="0" presId="urn:microsoft.com/office/officeart/2008/layout/VerticalCurvedList"/>
     <dgm:cxn modelId="{5215DD44-1C05-4977-91BB-922806AC336F}" srcId="{8E243756-C6F4-49EF-B90F-D99E64E3242E}" destId="{4B2C5954-B92C-42BE-8AAE-9676BD7374C6}" srcOrd="1" destOrd="0" parTransId="{F51A5FC0-72DE-4754-93D5-930F9A847A52}" sibTransId="{51AFA203-039C-4043-AB8D-9EA810EEE451}"/>
-    <dgm:cxn modelId="{8E46DA74-AB9D-4FCF-A899-4F26DEDA64DB}" type="presOf" srcId="{4B2C5954-B92C-42BE-8AAE-9676BD7374C6}" destId="{DE34025A-7FBD-4B56-B039-6D068880E145}" srcOrd="0" destOrd="0" presId="urn:microsoft.com/office/officeart/2008/layout/VerticalCurvedList"/>
+    <dgm:cxn modelId="{EB9544D9-B7C5-4A48-B2C7-31B1E6A30C5E}" srcId="{8E243756-C6F4-49EF-B90F-D99E64E3242E}" destId="{DED585BD-39B7-4B30-97D9-BC69CD31D1CE}" srcOrd="3" destOrd="0" parTransId="{8EA7DB05-B866-4165-A2F6-EF94A5AC969F}" sibTransId="{A9F08147-0B44-4D2E-87A2-9A213DEEBB38}"/>
     <dgm:cxn modelId="{3F374658-FC99-456D-808A-57282C91ECB9}" type="presOf" srcId="{970CB838-0624-4368-974A-3EA3F2FF5252}" destId="{91433115-E62F-4E0E-893D-6346C2C08A60}" srcOrd="0" destOrd="0" presId="urn:microsoft.com/office/officeart/2008/layout/VerticalCurvedList"/>
     <dgm:cxn modelId="{E8D90D7D-7758-4945-8754-D20B807B1F39}" srcId="{8E243756-C6F4-49EF-B90F-D99E64E3242E}" destId="{970CB838-0624-4368-974A-3EA3F2FF5252}" srcOrd="2" destOrd="0" parTransId="{0E130EA9-CBAE-4C80-91E7-3E12AE55991F}" sibTransId="{6233CC54-5DEB-430C-8A7F-CCFADD9FBEAE}"/>
+    <dgm:cxn modelId="{A6EF700B-0DBE-4A72-8E9A-CB829E0D5987}" type="presOf" srcId="{3AE1B47E-7E06-49AE-A9B7-C7619240783F}" destId="{62D03DE6-3A44-4BCE-B365-E3DBA1D20D19}" srcOrd="0" destOrd="0" presId="urn:microsoft.com/office/officeart/2008/layout/VerticalCurvedList"/>
     <dgm:cxn modelId="{50D99685-BB06-434B-A594-549F77F24247}" srcId="{8E243756-C6F4-49EF-B90F-D99E64E3242E}" destId="{B1B03641-6AE3-41AF-BB42-D4BF4DDC5BA5}" srcOrd="0" destOrd="0" parTransId="{7658B283-175D-4F0C-B0BE-8CEBAB267C8C}" sibTransId="{3AE1B47E-7E06-49AE-A9B7-C7619240783F}"/>
+    <dgm:cxn modelId="{63684AC7-4690-4256-A612-C424FF885164}" type="presOf" srcId="{8E243756-C6F4-49EF-B90F-D99E64E3242E}" destId="{1845C95C-1E5D-4E53-BD44-1A96B6D6B135}" srcOrd="0" destOrd="0" presId="urn:microsoft.com/office/officeart/2008/layout/VerticalCurvedList"/>
+    <dgm:cxn modelId="{AE81C705-5792-46A8-B49C-8F938660655C}" type="presOf" srcId="{B1B03641-6AE3-41AF-BB42-D4BF4DDC5BA5}" destId="{4EA938E8-62E4-4A49-B46D-1D2DDCA189CF}" srcOrd="0" destOrd="0" presId="urn:microsoft.com/office/officeart/2008/layout/VerticalCurvedList"/>
     <dgm:cxn modelId="{EB7A078E-0955-4BD2-ACA9-05DC0394F4EE}" type="presOf" srcId="{DED585BD-39B7-4B30-97D9-BC69CD31D1CE}" destId="{7EF4876A-AFA1-4D2F-8710-A02C44A406E1}" srcOrd="0" destOrd="0" presId="urn:microsoft.com/office/officeart/2008/layout/VerticalCurvedList"/>
-    <dgm:cxn modelId="{63684AC7-4690-4256-A612-C424FF885164}" type="presOf" srcId="{8E243756-C6F4-49EF-B90F-D99E64E3242E}" destId="{1845C95C-1E5D-4E53-BD44-1A96B6D6B135}" srcOrd="0" destOrd="0" presId="urn:microsoft.com/office/officeart/2008/layout/VerticalCurvedList"/>
-    <dgm:cxn modelId="{EB9544D9-B7C5-4A48-B2C7-31B1E6A30C5E}" srcId="{8E243756-C6F4-49EF-B90F-D99E64E3242E}" destId="{DED585BD-39B7-4B30-97D9-BC69CD31D1CE}" srcOrd="3" destOrd="0" parTransId="{8EA7DB05-B866-4165-A2F6-EF94A5AC969F}" sibTransId="{A9F08147-0B44-4D2E-87A2-9A213DEEBB38}"/>
+    <dgm:cxn modelId="{8E46DA74-AB9D-4FCF-A899-4F26DEDA64DB}" type="presOf" srcId="{4B2C5954-B92C-42BE-8AAE-9676BD7374C6}" destId="{DE34025A-7FBD-4B56-B039-6D068880E145}" srcOrd="0" destOrd="0" presId="urn:microsoft.com/office/officeart/2008/layout/VerticalCurvedList"/>
     <dgm:cxn modelId="{BFC6BE45-86CA-47D2-9841-4C8B91A64BC8}" type="presParOf" srcId="{1845C95C-1E5D-4E53-BD44-1A96B6D6B135}" destId="{DEC9AF53-FA58-40AE-8FB6-BCDF74C3856B}" srcOrd="0" destOrd="0" presId="urn:microsoft.com/office/officeart/2008/layout/VerticalCurvedList"/>
     <dgm:cxn modelId="{7FC7C7AF-5FC0-43DA-92CE-5B847080C0AA}" type="presParOf" srcId="{DEC9AF53-FA58-40AE-8FB6-BCDF74C3856B}" destId="{9DBF9703-8FF3-4290-81AA-0AF295C1DAD2}" srcOrd="0" destOrd="0" presId="urn:microsoft.com/office/officeart/2008/layout/VerticalCurvedList"/>
     <dgm:cxn modelId="{5424F2B9-72DC-441F-BDD5-6345A6982C08}" type="presParOf" srcId="{9DBF9703-8FF3-4290-81AA-0AF295C1DAD2}" destId="{9BC8697C-5AB3-4054-B551-E563C17EA22F}" srcOrd="0" destOrd="0" presId="urn:microsoft.com/office/officeart/2008/layout/VerticalCurvedList"/>
@@ -1167,7 +1209,7 @@
   <dgm:whole/>
   <dgm:extLst>
     <a:ext uri="http://schemas.microsoft.com/office/drawing/2008/diagram">
-      <dsp:dataModelExt xmlns:dsp="http://schemas.microsoft.com/office/drawing/2008/diagram" relId="rId7" minVer="http://schemas.openxmlformats.org/drawingml/2006/diagram"/>
+      <dsp:dataModelExt xmlns:dsp="http://schemas.microsoft.com/office/drawing/2008/diagram" relId="rId6" minVer="http://schemas.openxmlformats.org/drawingml/2006/diagram"/>
     </a:ext>
   </dgm:extLst>
 </dgm:dataModel>
@@ -1330,7 +1372,7 @@
         </a:bodyPr>
         <a:lstStyle/>
         <a:p>
-          <a:pPr marL="0" lvl="0" indent="0" algn="l" defTabSz="1244600">
+          <a:pPr lvl="0" algn="l" defTabSz="1244600">
             <a:lnSpc>
               <a:spcPct val="90000"/>
             </a:lnSpc>
@@ -1340,7 +1382,6 @@
             <a:spcAft>
               <a:spcPct val="35000"/>
             </a:spcAft>
-            <a:buNone/>
           </a:pPr>
           <a:r>
             <a:rPr lang="en-US" sz="2800" kern="1200"/>
@@ -1510,7 +1551,7 @@
         </a:bodyPr>
         <a:lstStyle/>
         <a:p>
-          <a:pPr marL="0" lvl="0" indent="0" algn="l" defTabSz="1244600">
+          <a:pPr lvl="0" algn="l" defTabSz="1244600">
             <a:lnSpc>
               <a:spcPct val="90000"/>
             </a:lnSpc>
@@ -1520,7 +1561,6 @@
             <a:spcAft>
               <a:spcPct val="35000"/>
             </a:spcAft>
-            <a:buNone/>
           </a:pPr>
           <a:r>
             <a:rPr lang="en-US" sz="2800" kern="1200"/>
@@ -1690,7 +1730,7 @@
         </a:bodyPr>
         <a:lstStyle/>
         <a:p>
-          <a:pPr marL="0" lvl="0" indent="0" algn="l" defTabSz="1244600">
+          <a:pPr lvl="0" algn="l" defTabSz="1244600">
             <a:lnSpc>
               <a:spcPct val="90000"/>
             </a:lnSpc>
@@ -1700,7 +1740,6 @@
             <a:spcAft>
               <a:spcPct val="35000"/>
             </a:spcAft>
-            <a:buNone/>
           </a:pPr>
           <a:r>
             <a:rPr lang="en-US" sz="2800" kern="1200"/>
@@ -1870,7 +1909,7 @@
         </a:bodyPr>
         <a:lstStyle/>
         <a:p>
-          <a:pPr marL="0" lvl="0" indent="0" algn="l" defTabSz="1244600">
+          <a:pPr lvl="0" algn="l" defTabSz="1244600">
             <a:lnSpc>
               <a:spcPct val="90000"/>
             </a:lnSpc>
@@ -1880,7 +1919,6 @@
             <a:spcAft>
               <a:spcPct val="35000"/>
             </a:spcAft>
-            <a:buNone/>
           </a:pPr>
           <a:r>
             <a:rPr lang="en-US" sz="2800" kern="1200"/>
@@ -4344,7 +4382,7 @@
           <a:p>
             <a:fld id="{4E1C8B97-B0A2-485C-87FE-11AB7A2C2051}" type="datetimeFigureOut">
               <a:rPr lang="en-US" smtClean="0"/>
-              <a:t>4/24/2021</a:t>
+              <a:t>12/18/2021</a:t>
             </a:fld>
             <a:endParaRPr lang="en-US"/>
           </a:p>
@@ -5003,6 +5041,10 @@
               </a:rPr>
               <a:t>Có thể đây là câu hỏi hơi thừa, nhưng mình vẫn đề cập để biết đâu được một số bạn lại cần tới nó vì đơn giản thừa vẫn hơn là thiếu thông tin</a:t>
             </a:r>
+            <a:r>
+              <a:rPr lang="vi-VN"/>
+              <a:t/>
+            </a:r>
             <a:br>
               <a:rPr lang="vi-VN"/>
             </a:br>
@@ -5042,6 +5084,10 @@
               </a:rPr>
               <a:t>. Còn 2 dòng module sim800C và SIM800L do được lược bỏ 1 số chức năng về phần cứng nên có thể bạn sẽ gặp đôi chút rắc rối. Nhưng nếu bạn đã lỡ mua rồi thì không sao đâu nhé, cứ yên tâm sử dụng , có gặp lỗi thì từ từ giải quyết nó thôi.</a:t>
             </a:r>
+            <a:r>
+              <a:rPr lang="vi-VN"/>
+              <a:t/>
+            </a:r>
             <a:br>
               <a:rPr lang="vi-VN"/>
             </a:br>
@@ -5104,6 +5150,10 @@
                 <a:cs typeface="+mn-cs"/>
               </a:rPr>
               <a:t> mà nguồn này thì không thông dụng và chúng ta lại phải sử dụng thêm mạch hạ áp rời.</a:t>
+            </a:r>
+            <a:r>
+              <a:rPr lang="vi-VN"/>
+              <a:t/>
             </a:r>
             <a:br>
               <a:rPr lang="vi-VN"/>
@@ -5401,6 +5451,10 @@
               </a:rPr>
               <a:t>Có thể đây là câu hỏi hơi thừa, nhưng mình vẫn đề cập để biết đâu được một số bạn lại cần tới nó vì đơn giản thừa vẫn hơn là thiếu thông tin</a:t>
             </a:r>
+            <a:r>
+              <a:rPr lang="vi-VN"/>
+              <a:t/>
+            </a:r>
             <a:br>
               <a:rPr lang="vi-VN"/>
             </a:br>
@@ -5440,6 +5494,10 @@
               </a:rPr>
               <a:t>. Còn 2 dòng module sim800C và SIM800L do được lược bỏ 1 số chức năng về phần cứng nên có thể bạn sẽ gặp đôi chút rắc rối. Nhưng nếu bạn đã lỡ mua rồi thì không sao đâu nhé, cứ yên tâm sử dụng , có gặp lỗi thì từ từ giải quyết nó thôi.</a:t>
             </a:r>
+            <a:r>
+              <a:rPr lang="vi-VN"/>
+              <a:t/>
+            </a:r>
             <a:br>
               <a:rPr lang="vi-VN"/>
             </a:br>
@@ -5502,6 +5560,10 @@
                 <a:cs typeface="+mn-cs"/>
               </a:rPr>
               <a:t> mà nguồn này thì không thông dụng và chúng ta lại phải sử dụng thêm mạch hạ áp rời.</a:t>
+            </a:r>
+            <a:r>
+              <a:rPr lang="vi-VN"/>
+              <a:t/>
             </a:r>
             <a:br>
               <a:rPr lang="vi-VN"/>
@@ -5799,6 +5861,10 @@
               </a:rPr>
               <a:t>Có thể đây là câu hỏi hơi thừa, nhưng mình vẫn đề cập để biết đâu được một số bạn lại cần tới nó vì đơn giản thừa vẫn hơn là thiếu thông tin</a:t>
             </a:r>
+            <a:r>
+              <a:rPr lang="vi-VN"/>
+              <a:t/>
+            </a:r>
             <a:br>
               <a:rPr lang="vi-VN"/>
             </a:br>
@@ -5838,6 +5904,10 @@
               </a:rPr>
               <a:t>. Còn 2 dòng module sim800C và SIM800L do được lược bỏ 1 số chức năng về phần cứng nên có thể bạn sẽ gặp đôi chút rắc rối. Nhưng nếu bạn đã lỡ mua rồi thì không sao đâu nhé, cứ yên tâm sử dụng , có gặp lỗi thì từ từ giải quyết nó thôi.</a:t>
             </a:r>
+            <a:r>
+              <a:rPr lang="vi-VN"/>
+              <a:t/>
+            </a:r>
             <a:br>
               <a:rPr lang="vi-VN"/>
             </a:br>
@@ -5900,6 +5970,10 @@
                 <a:cs typeface="+mn-cs"/>
               </a:rPr>
               <a:t> mà nguồn này thì không thông dụng và chúng ta lại phải sử dụng thêm mạch hạ áp rời.</a:t>
+            </a:r>
+            <a:r>
+              <a:rPr lang="vi-VN"/>
+              <a:t/>
             </a:r>
             <a:br>
               <a:rPr lang="vi-VN"/>
@@ -6301,6 +6375,10 @@
                 <a:cs typeface="+mn-cs"/>
               </a:rPr>
               <a:t>Có thể đây là câu hỏi hơi thừa, nhưng mình vẫn đề cập để biết đâu được một số bạn lại cần tới nó vì đơn giản thừa vẫn hơn là thiếu thông tin</a:t>
+            </a:r>
+            <a:r>
+              <a:rPr lang="vi-VN"/>
+              <a:t/>
             </a:r>
             <a:br>
               <a:rPr lang="vi-VN"/>
@@ -6709,7 +6787,7 @@
           <a:p>
             <a:fld id="{9184DA70-C731-4C70-880D-CCD4705E623C}" type="datetime1">
               <a:rPr lang="en-US" smtClean="0"/>
-              <a:t>4/24/2021</a:t>
+              <a:t>12/18/2021</a:t>
             </a:fld>
             <a:endParaRPr lang="en-US" dirty="0"/>
           </a:p>
@@ -6897,7 +6975,7 @@
           <a:p>
             <a:fld id="{B612A279-0833-481D-8C56-F67FD0AC6C50}" type="datetime1">
               <a:rPr lang="en-US" smtClean="0"/>
-              <a:t>4/24/2021</a:t>
+              <a:t>12/18/2021</a:t>
             </a:fld>
             <a:endParaRPr lang="en-US" dirty="0"/>
           </a:p>
@@ -7139,7 +7217,7 @@
           <a:p>
             <a:fld id="{6587DA83-5663-4C9C-B9AA-0B40A3DAFF81}" type="datetime1">
               <a:rPr lang="en-US" smtClean="0"/>
-              <a:t>4/24/2021</a:t>
+              <a:t>12/18/2021</a:t>
             </a:fld>
             <a:endParaRPr lang="en-US" dirty="0"/>
           </a:p>
@@ -7327,7 +7405,7 @@
           <a:p>
             <a:fld id="{4BE1D723-8F53-4F53-90B0-1982A396982E}" type="datetime1">
               <a:rPr lang="en-US" smtClean="0"/>
-              <a:t>4/24/2021</a:t>
+              <a:t>12/18/2021</a:t>
             </a:fld>
             <a:endParaRPr lang="en-US" dirty="0"/>
           </a:p>
@@ -7700,7 +7778,7 @@
           <a:p>
             <a:fld id="{97669AF7-7BEB-44E4-9852-375E34362B5B}" type="datetime1">
               <a:rPr lang="en-US" smtClean="0"/>
-              <a:t>4/24/2021</a:t>
+              <a:t>12/18/2021</a:t>
             </a:fld>
             <a:endParaRPr lang="en-US" dirty="0"/>
           </a:p>
@@ -7955,7 +8033,7 @@
           <a:p>
             <a:fld id="{BAAAC38D-0552-4C82-B593-E6124DFADBE2}" type="datetime1">
               <a:rPr lang="en-US" smtClean="0"/>
-              <a:t>4/24/2021</a:t>
+              <a:t>12/18/2021</a:t>
             </a:fld>
             <a:endParaRPr lang="en-US" dirty="0"/>
           </a:p>
@@ -8352,7 +8430,7 @@
           <a:p>
             <a:fld id="{D9DF0F1C-5577-4ACB-BB62-DF8F3C494C7E}" type="datetime1">
               <a:rPr lang="en-US" smtClean="0"/>
-              <a:t>4/24/2021</a:t>
+              <a:t>12/18/2021</a:t>
             </a:fld>
             <a:endParaRPr lang="en-US" dirty="0"/>
           </a:p>
@@ -8488,7 +8566,7 @@
           <a:p>
             <a:fld id="{1775B394-D9F9-4F0C-B15D-605F45CB9E9F}" type="datetime1">
               <a:rPr lang="en-US" smtClean="0"/>
-              <a:t>4/24/2021</a:t>
+              <a:t>12/18/2021</a:t>
             </a:fld>
             <a:endParaRPr lang="en-US" dirty="0"/>
           </a:p>
@@ -8645,7 +8723,7 @@
           <a:p>
             <a:fld id="{39667345-2558-425A-8533-9BFDBCE15005}" type="datetime1">
               <a:rPr lang="en-US" smtClean="0"/>
-              <a:t>4/24/2021</a:t>
+              <a:t>12/18/2021</a:t>
             </a:fld>
             <a:endParaRPr lang="en-US" dirty="0"/>
           </a:p>
@@ -8974,7 +9052,7 @@
           <a:p>
             <a:fld id="{92BEA474-078D-4E9B-9B14-09A87B19DC46}" type="datetime1">
               <a:rPr lang="en-US" smtClean="0"/>
-              <a:t>4/24/2021</a:t>
+              <a:t>12/18/2021</a:t>
             </a:fld>
             <a:endParaRPr lang="en-US" dirty="0"/>
           </a:p>
@@ -9324,7 +9402,7 @@
           <a:p>
             <a:fld id="{4907D986-8816-4272-A432-0437A28A9828}" type="datetime1">
               <a:rPr lang="en-US" smtClean="0"/>
-              <a:t>4/24/2021</a:t>
+              <a:t>12/18/2021</a:t>
             </a:fld>
             <a:endParaRPr lang="en-US" dirty="0"/>
           </a:p>
@@ -9585,7 +9663,7 @@
           <a:p>
             <a:fld id="{62D6E202-B606-4609-B914-27C9371A1F6D}" type="datetime1">
               <a:rPr lang="en-US" smtClean="0"/>
-              <a:t>4/24/2021</a:t>
+              <a:t>12/18/2021</a:t>
             </a:fld>
             <a:endParaRPr lang="en-US" dirty="0"/>
           </a:p>
@@ -10124,7 +10202,7 @@
                 <a16:creationId xmlns:a16="http://schemas.microsoft.com/office/drawing/2014/main" id="{54DCD9B2-D552-47A6-9FE2-15D7E8159AB6}"/>
               </a:ext>
               <a:ext uri="{C183D7F6-B498-43B3-948B-1728B52AA6E4}">
-                <adec:decorative xmlns:adec="http://schemas.microsoft.com/office/drawing/2017/decorative" val="1"/>
+                <adec:decorative xmlns:adec="http://schemas.microsoft.com/office/drawing/2017/decorative" xmlns="" val="1"/>
               </a:ext>
             </a:extLst>
           </p:cNvPr>
@@ -10194,7 +10272,7 @@
         </p:nvSpPr>
         <p:spPr>
           <a:xfrm>
-            <a:off x="5498091" y="760333"/>
+            <a:off x="2679654" y="652199"/>
             <a:ext cx="6347255" cy="3340755"/>
           </a:xfrm>
         </p:spPr>
@@ -10206,99 +10284,112 @@
           <a:p>
             <a:pPr algn="ctr"/>
             <a:r>
-              <a:rPr lang="en-US" sz="6200"/>
-              <a:t>Lập trình Stm32 cài đặt và cảnh báo nhiệt độ từ nút nhấn thông qua Module SIM</a:t>
+              <a:rPr lang="en-US" sz="6200" dirty="0" err="1"/>
+              <a:t>Lập</a:t>
+            </a:r>
+            <a:r>
+              <a:rPr lang="en-US" sz="6200" dirty="0"/>
+              <a:t> </a:t>
+            </a:r>
+            <a:r>
+              <a:rPr lang="en-US" sz="6200" dirty="0" err="1"/>
+              <a:t>trình</a:t>
+            </a:r>
+            <a:r>
+              <a:rPr lang="en-US" sz="6200" dirty="0"/>
+              <a:t> Stm32 </a:t>
+            </a:r>
+            <a:r>
+              <a:rPr lang="en-US" sz="6200" dirty="0" err="1"/>
+              <a:t>cài</a:t>
+            </a:r>
+            <a:r>
+              <a:rPr lang="en-US" sz="6200" dirty="0"/>
+              <a:t> </a:t>
+            </a:r>
+            <a:r>
+              <a:rPr lang="en-US" sz="6200" dirty="0" err="1"/>
+              <a:t>đặt</a:t>
+            </a:r>
+            <a:r>
+              <a:rPr lang="en-US" sz="6200" dirty="0"/>
+              <a:t> </a:t>
+            </a:r>
+            <a:r>
+              <a:rPr lang="en-US" sz="6200" dirty="0" err="1"/>
+              <a:t>và</a:t>
+            </a:r>
+            <a:r>
+              <a:rPr lang="en-US" sz="6200" dirty="0"/>
+              <a:t> </a:t>
+            </a:r>
+            <a:r>
+              <a:rPr lang="en-US" sz="6200" dirty="0" err="1"/>
+              <a:t>cảnh</a:t>
+            </a:r>
+            <a:r>
+              <a:rPr lang="en-US" sz="6200" dirty="0"/>
+              <a:t> </a:t>
+            </a:r>
+            <a:r>
+              <a:rPr lang="en-US" sz="6200" dirty="0" err="1"/>
+              <a:t>báo</a:t>
+            </a:r>
+            <a:r>
+              <a:rPr lang="en-US" sz="6200" dirty="0"/>
+              <a:t> </a:t>
+            </a:r>
+            <a:r>
+              <a:rPr lang="en-US" sz="6200" dirty="0" err="1"/>
+              <a:t>nhiệt</a:t>
+            </a:r>
+            <a:r>
+              <a:rPr lang="en-US" sz="6200" dirty="0"/>
+              <a:t> </a:t>
+            </a:r>
+            <a:r>
+              <a:rPr lang="en-US" sz="6200" dirty="0" err="1"/>
+              <a:t>độ</a:t>
+            </a:r>
+            <a:r>
+              <a:rPr lang="en-US" sz="6200" dirty="0"/>
+              <a:t> </a:t>
+            </a:r>
+            <a:r>
+              <a:rPr lang="en-US" sz="6200" dirty="0" err="1"/>
+              <a:t>từ</a:t>
+            </a:r>
+            <a:r>
+              <a:rPr lang="en-US" sz="6200" dirty="0"/>
+              <a:t> </a:t>
+            </a:r>
+            <a:r>
+              <a:rPr lang="en-US" sz="6200" dirty="0" err="1"/>
+              <a:t>nút</a:t>
+            </a:r>
+            <a:r>
+              <a:rPr lang="en-US" sz="6200" dirty="0"/>
+              <a:t> </a:t>
+            </a:r>
+            <a:r>
+              <a:rPr lang="en-US" sz="6200" dirty="0" err="1"/>
+              <a:t>nhấn</a:t>
+            </a:r>
+            <a:r>
+              <a:rPr lang="en-US" sz="6200" dirty="0"/>
+              <a:t> </a:t>
+            </a:r>
+            <a:r>
+              <a:rPr lang="en-US" sz="6200" dirty="0" err="1"/>
+              <a:t>thông</a:t>
+            </a:r>
+            <a:r>
+              <a:rPr lang="en-US" sz="6200" dirty="0"/>
+              <a:t> qua Module SIM</a:t>
             </a:r>
           </a:p>
         </p:txBody>
       </p:sp>
-      <p:sp>
-        <p:nvSpPr>
-          <p:cNvPr id="3" name="Subtitle 2">
-            <a:extLst>
-              <a:ext uri="{FF2B5EF4-FFF2-40B4-BE49-F238E27FC236}">
-                <a16:creationId xmlns:a16="http://schemas.microsoft.com/office/drawing/2014/main" id="{CA94AD29-D821-4F83-ACFF-ABAF48707847}"/>
-              </a:ext>
-            </a:extLst>
-          </p:cNvPr>
-          <p:cNvSpPr>
-            <a:spLocks noGrp="1"/>
-          </p:cNvSpPr>
-          <p:nvPr>
-            <p:ph type="subTitle" idx="1"/>
-          </p:nvPr>
-        </p:nvSpPr>
-        <p:spPr>
-          <a:xfrm>
-            <a:off x="6832349" y="4500309"/>
-            <a:ext cx="3940617" cy="457196"/>
-          </a:xfrm>
-        </p:spPr>
-        <p:txBody>
-          <a:bodyPr>
-            <a:normAutofit fontScale="92500"/>
-          </a:bodyPr>
-          <a:lstStyle/>
-          <a:p>
-            <a:r>
-              <a:rPr lang="en-US">
-                <a:solidFill>
-                  <a:schemeClr val="tx1">
-                    <a:lumMod val="85000"/>
-                    <a:lumOff val="15000"/>
-                  </a:schemeClr>
-                </a:solidFill>
-              </a:rPr>
-              <a:t>Thực hiện: Huy Dang</a:t>
-            </a:r>
-          </a:p>
-          <a:p>
-            <a:endParaRPr lang="en-US">
-              <a:solidFill>
-                <a:schemeClr val="tx1">
-                  <a:lumMod val="85000"/>
-                  <a:lumOff val="15000"/>
-                </a:schemeClr>
-              </a:solidFill>
-            </a:endParaRPr>
-          </a:p>
-        </p:txBody>
-      </p:sp>
-      <p:pic>
-        <p:nvPicPr>
-          <p:cNvPr id="4" name="Picture 3" descr="A picture containing text, sign, vector graphics&#10;&#10;Description automatically generated">
-            <a:extLst>
-              <a:ext uri="{FF2B5EF4-FFF2-40B4-BE49-F238E27FC236}">
-                <a16:creationId xmlns:a16="http://schemas.microsoft.com/office/drawing/2014/main" id="{7460735B-CDC4-487C-B20D-A771062E4B56}"/>
-              </a:ext>
-            </a:extLst>
-          </p:cNvPr>
-          <p:cNvPicPr>
-            <a:picLocks noChangeAspect="1"/>
-          </p:cNvPicPr>
-          <p:nvPr/>
-        </p:nvPicPr>
-        <p:blipFill rotWithShape="1">
-          <a:blip r:embed="rId3">
-            <a:extLst>
-              <a:ext uri="{28A0092B-C50C-407E-A947-70E740481C1C}">
-                <a14:useLocalDpi xmlns:a14="http://schemas.microsoft.com/office/drawing/2010/main" val="0"/>
-              </a:ext>
-            </a:extLst>
-          </a:blip>
-          <a:srcRect t="10731" r="2" b="2"/>
-          <a:stretch/>
-        </p:blipFill>
-        <p:spPr>
-          <a:xfrm>
-            <a:off x="240558" y="1580825"/>
-            <a:ext cx="4508029" cy="4024263"/>
-          </a:xfrm>
-          <a:prstGeom prst="rect">
-            <a:avLst/>
-          </a:prstGeom>
-        </p:spPr>
-      </p:pic>
       <p:cxnSp>
         <p:nvCxnSpPr>
           <p:cNvPr id="26" name="Straight Connector 25">
@@ -10307,7 +10398,7 @@
                 <a16:creationId xmlns:a16="http://schemas.microsoft.com/office/drawing/2014/main" id="{FCE0A9EA-62FA-4F43-BEF6-7BBBB3F90F25}"/>
               </a:ext>
               <a:ext uri="{C183D7F6-B498-43B3-948B-1728B52AA6E4}">
-                <adec:decorative xmlns:adec="http://schemas.microsoft.com/office/drawing/2017/decorative" val="1"/>
+                <adec:decorative xmlns:adec="http://schemas.microsoft.com/office/drawing/2017/decorative" xmlns="" val="1"/>
               </a:ext>
             </a:extLst>
           </p:cNvPr>
@@ -10362,7 +10453,7 @@
                 <a16:creationId xmlns:a16="http://schemas.microsoft.com/office/drawing/2014/main" id="{CCE25F7F-C10E-4478-90C0-93B61E638386}"/>
               </a:ext>
               <a:ext uri="{C183D7F6-B498-43B3-948B-1728B52AA6E4}">
-                <adec:decorative xmlns:adec="http://schemas.microsoft.com/office/drawing/2017/decorative" val="1"/>
+                <adec:decorative xmlns:adec="http://schemas.microsoft.com/office/drawing/2017/decorative" xmlns="" val="1"/>
               </a:ext>
             </a:extLst>
           </p:cNvPr>
@@ -10409,6 +10500,25 @@
           </a:fontRef>
         </p:style>
       </p:sp>
+      <p:sp>
+        <p:nvSpPr>
+          <p:cNvPr id="5" name="Subtitle 4"/>
+          <p:cNvSpPr>
+            <a:spLocks noGrp="1"/>
+          </p:cNvSpPr>
+          <p:nvPr>
+            <p:ph type="subTitle" idx="1"/>
+          </p:nvPr>
+        </p:nvSpPr>
+        <p:spPr/>
+        <p:txBody>
+          <a:bodyPr/>
+          <a:lstStyle/>
+          <a:p>
+            <a:endParaRPr lang="en-US"/>
+          </a:p>
+        </p:txBody>
+      </p:sp>
     </p:spTree>
     <p:extLst>
       <p:ext uri="{BB962C8B-B14F-4D97-AF65-F5344CB8AC3E}">
@@ -10419,6 +10529,13 @@
   <p:clrMapOvr>
     <a:masterClrMapping/>
   </p:clrMapOvr>
+  <p:timing>
+    <p:tnLst>
+      <p:par>
+        <p:cTn id="1" dur="indefinite" restart="never" nodeType="tmRoot"/>
+      </p:par>
+    </p:tnLst>
+  </p:timing>
 </p:sld>
 </file>
 
@@ -10472,41 +10589,6 @@
       </p:sp>
       <p:pic>
         <p:nvPicPr>
-          <p:cNvPr id="4" name="Picture 3" descr="A picture containing text, sign, vector graphics&#10;&#10;Description automatically generated">
-            <a:extLst>
-              <a:ext uri="{FF2B5EF4-FFF2-40B4-BE49-F238E27FC236}">
-                <a16:creationId xmlns:a16="http://schemas.microsoft.com/office/drawing/2014/main" id="{708614F4-E979-4011-90A5-0FEC75B08B44}"/>
-              </a:ext>
-            </a:extLst>
-          </p:cNvPr>
-          <p:cNvPicPr>
-            <a:picLocks noChangeAspect="1"/>
-          </p:cNvPicPr>
-          <p:nvPr/>
-        </p:nvPicPr>
-        <p:blipFill rotWithShape="1">
-          <a:blip r:embed="rId3">
-            <a:extLst>
-              <a:ext uri="{28A0092B-C50C-407E-A947-70E740481C1C}">
-                <a14:useLocalDpi xmlns:a14="http://schemas.microsoft.com/office/drawing/2010/main" val="0"/>
-              </a:ext>
-            </a:extLst>
-          </a:blip>
-          <a:srcRect t="10731" r="2" b="2"/>
-          <a:stretch/>
-        </p:blipFill>
-        <p:spPr>
-          <a:xfrm>
-            <a:off x="10269039" y="0"/>
-            <a:ext cx="1922961" cy="1716604"/>
-          </a:xfrm>
-          <a:prstGeom prst="rect">
-            <a:avLst/>
-          </a:prstGeom>
-        </p:spPr>
-      </p:pic>
-      <p:pic>
-        <p:nvPicPr>
           <p:cNvPr id="3" name="Picture 2">
             <a:extLst>
               <a:ext uri="{FF2B5EF4-FFF2-40B4-BE49-F238E27FC236}">
@@ -10520,7 +10602,7 @@
           <p:nvPr/>
         </p:nvPicPr>
         <p:blipFill>
-          <a:blip r:embed="rId4"/>
+          <a:blip r:embed="rId3"/>
           <a:stretch>
             <a:fillRect/>
           </a:stretch>
@@ -10550,7 +10632,7 @@
           <p:nvPr/>
         </p:nvPicPr>
         <p:blipFill>
-          <a:blip r:embed="rId5"/>
+          <a:blip r:embed="rId4"/>
           <a:stretch>
             <a:fillRect/>
           </a:stretch>
@@ -10575,6 +10657,13 @@
   <p:clrMapOvr>
     <a:masterClrMapping/>
   </p:clrMapOvr>
+  <p:timing>
+    <p:tnLst>
+      <p:par>
+        <p:cTn id="1" dur="indefinite" restart="never" nodeType="tmRoot"/>
+      </p:par>
+    </p:tnLst>
+  </p:timing>
 </p:sld>
 </file>
 
@@ -10631,41 +10720,6 @@
       </p:sp>
       <p:pic>
         <p:nvPicPr>
-          <p:cNvPr id="4" name="Picture 3" descr="A picture containing text, sign, vector graphics&#10;&#10;Description automatically generated">
-            <a:extLst>
-              <a:ext uri="{FF2B5EF4-FFF2-40B4-BE49-F238E27FC236}">
-                <a16:creationId xmlns:a16="http://schemas.microsoft.com/office/drawing/2014/main" id="{708614F4-E979-4011-90A5-0FEC75B08B44}"/>
-              </a:ext>
-            </a:extLst>
-          </p:cNvPr>
-          <p:cNvPicPr>
-            <a:picLocks noChangeAspect="1"/>
-          </p:cNvPicPr>
-          <p:nvPr/>
-        </p:nvPicPr>
-        <p:blipFill rotWithShape="1">
-          <a:blip r:embed="rId3">
-            <a:extLst>
-              <a:ext uri="{28A0092B-C50C-407E-A947-70E740481C1C}">
-                <a14:useLocalDpi xmlns:a14="http://schemas.microsoft.com/office/drawing/2010/main" val="0"/>
-              </a:ext>
-            </a:extLst>
-          </a:blip>
-          <a:srcRect t="10731" r="2" b="2"/>
-          <a:stretch/>
-        </p:blipFill>
-        <p:spPr>
-          <a:xfrm>
-            <a:off x="10269039" y="0"/>
-            <a:ext cx="1922961" cy="1716604"/>
-          </a:xfrm>
-          <a:prstGeom prst="rect">
-            <a:avLst/>
-          </a:prstGeom>
-        </p:spPr>
-      </p:pic>
-      <p:pic>
-        <p:nvPicPr>
           <p:cNvPr id="10" name="Picture 9">
             <a:extLst>
               <a:ext uri="{FF2B5EF4-FFF2-40B4-BE49-F238E27FC236}">
@@ -10679,7 +10733,7 @@
           <p:nvPr/>
         </p:nvPicPr>
         <p:blipFill>
-          <a:blip r:embed="rId4"/>
+          <a:blip r:embed="rId3"/>
           <a:stretch>
             <a:fillRect/>
           </a:stretch>
@@ -10709,7 +10763,7 @@
           <p:nvPr/>
         </p:nvPicPr>
         <p:blipFill>
-          <a:blip r:embed="rId5"/>
+          <a:blip r:embed="rId4"/>
           <a:stretch>
             <a:fillRect/>
           </a:stretch>
@@ -10921,7 +10975,7 @@
           <p:nvPr/>
         </p:nvPicPr>
         <p:blipFill>
-          <a:blip r:embed="rId6"/>
+          <a:blip r:embed="rId5"/>
           <a:stretch>
             <a:fillRect/>
           </a:stretch>
@@ -10946,6 +11000,13 @@
   <p:clrMapOvr>
     <a:masterClrMapping/>
   </p:clrMapOvr>
+  <p:timing>
+    <p:tnLst>
+      <p:par>
+        <p:cTn id="1" dur="indefinite" restart="never" nodeType="tmRoot"/>
+      </p:par>
+    </p:tnLst>
+  </p:timing>
 </p:sld>
 </file>
 
@@ -11704,41 +11765,6 @@
           </a:p>
         </p:txBody>
       </p:sp>
-      <p:pic>
-        <p:nvPicPr>
-          <p:cNvPr id="35" name="Picture 34" descr="A picture containing text, sign, vector graphics&#10;&#10;Description automatically generated">
-            <a:extLst>
-              <a:ext uri="{FF2B5EF4-FFF2-40B4-BE49-F238E27FC236}">
-                <a16:creationId xmlns:a16="http://schemas.microsoft.com/office/drawing/2014/main" id="{79677BCC-A84E-4903-9B42-CE9D6F2477A2}"/>
-              </a:ext>
-            </a:extLst>
-          </p:cNvPr>
-          <p:cNvPicPr>
-            <a:picLocks noChangeAspect="1"/>
-          </p:cNvPicPr>
-          <p:nvPr/>
-        </p:nvPicPr>
-        <p:blipFill rotWithShape="1">
-          <a:blip r:embed="rId2">
-            <a:extLst>
-              <a:ext uri="{28A0092B-C50C-407E-A947-70E740481C1C}">
-                <a14:useLocalDpi xmlns:a14="http://schemas.microsoft.com/office/drawing/2010/main" val="0"/>
-              </a:ext>
-            </a:extLst>
-          </a:blip>
-          <a:srcRect t="10731" r="2" b="2"/>
-          <a:stretch/>
-        </p:blipFill>
-        <p:spPr>
-          <a:xfrm>
-            <a:off x="10269039" y="0"/>
-            <a:ext cx="1922961" cy="1716604"/>
-          </a:xfrm>
-          <a:prstGeom prst="rect">
-            <a:avLst/>
-          </a:prstGeom>
-        </p:spPr>
-      </p:pic>
     </p:spTree>
     <p:extLst>
       <p:ext uri="{BB962C8B-B14F-4D97-AF65-F5344CB8AC3E}">
@@ -11749,6 +11775,13 @@
   <p:clrMapOvr>
     <a:masterClrMapping/>
   </p:clrMapOvr>
+  <p:timing>
+    <p:tnLst>
+      <p:par>
+        <p:cTn id="1" dur="indefinite" restart="never" nodeType="tmRoot"/>
+      </p:par>
+    </p:tnLst>
+  </p:timing>
 </p:sld>
 </file>
 
@@ -11785,7 +11818,7 @@
                 <a16:creationId xmlns:a16="http://schemas.microsoft.com/office/drawing/2014/main" id="{39E3965E-AC41-4711-9D10-E25ABB132D86}"/>
               </a:ext>
               <a:ext uri="{C183D7F6-B498-43B3-948B-1728B52AA6E4}">
-                <adec:decorative xmlns:adec="http://schemas.microsoft.com/office/drawing/2017/decorative" val="1"/>
+                <adec:decorative xmlns:adec="http://schemas.microsoft.com/office/drawing/2017/decorative" xmlns="" val="1"/>
               </a:ext>
             </a:extLst>
           </p:cNvPr>
@@ -11840,7 +11873,7 @@
                 <a16:creationId xmlns:a16="http://schemas.microsoft.com/office/drawing/2014/main" id="{1F5DC8C3-BA5F-4EED-BB9A-A14272BD82A1}"/>
               </a:ext>
               <a:ext uri="{C183D7F6-B498-43B3-948B-1728B52AA6E4}">
-                <adec:decorative xmlns:adec="http://schemas.microsoft.com/office/drawing/2017/decorative" val="1"/>
+                <adec:decorative xmlns:adec="http://schemas.microsoft.com/office/drawing/2017/decorative" xmlns="" val="1"/>
               </a:ext>
             </a:extLst>
           </p:cNvPr>
@@ -11895,7 +11928,7 @@
                 <a16:creationId xmlns:a16="http://schemas.microsoft.com/office/drawing/2014/main" id="{B4D0E555-16F6-44D0-BF56-AF5FF5BDE9D6}"/>
               </a:ext>
               <a:ext uri="{C183D7F6-B498-43B3-948B-1728B52AA6E4}">
-                <adec:decorative xmlns:adec="http://schemas.microsoft.com/office/drawing/2017/decorative" val="1"/>
+                <adec:decorative xmlns:adec="http://schemas.microsoft.com/office/drawing/2017/decorative" xmlns="" val="1"/>
               </a:ext>
             </a:extLst>
           </p:cNvPr>
@@ -11955,7 +11988,7 @@
                 <a16:creationId xmlns:a16="http://schemas.microsoft.com/office/drawing/2014/main" id="{8117041D-1A7B-4ECA-AB68-3CFDB6726B8E}"/>
               </a:ext>
               <a:ext uri="{C183D7F6-B498-43B3-948B-1728B52AA6E4}">
-                <adec:decorative xmlns:adec="http://schemas.microsoft.com/office/drawing/2017/decorative" val="1"/>
+                <adec:decorative xmlns:adec="http://schemas.microsoft.com/office/drawing/2017/decorative" xmlns="" val="1"/>
               </a:ext>
             </a:extLst>
           </p:cNvPr>
@@ -12076,7 +12109,7 @@
                 <a16:creationId xmlns:a16="http://schemas.microsoft.com/office/drawing/2014/main" id="{ABCD2462-4C1E-401A-AC2D-F799A138B245}"/>
               </a:ext>
               <a:ext uri="{C183D7F6-B498-43B3-948B-1728B52AA6E4}">
-                <adec:decorative xmlns:adec="http://schemas.microsoft.com/office/drawing/2017/decorative" val="1"/>
+                <adec:decorative xmlns:adec="http://schemas.microsoft.com/office/drawing/2017/decorative" xmlns="" val="1"/>
               </a:ext>
             </a:extLst>
           </p:cNvPr>
@@ -12150,41 +12183,6 @@
           </a:prstGeom>
         </p:spPr>
       </p:pic>
-      <p:pic>
-        <p:nvPicPr>
-          <p:cNvPr id="9" name="Picture 8" descr="A picture containing text, sign, vector graphics&#10;&#10;Description automatically generated">
-            <a:extLst>
-              <a:ext uri="{FF2B5EF4-FFF2-40B4-BE49-F238E27FC236}">
-                <a16:creationId xmlns:a16="http://schemas.microsoft.com/office/drawing/2014/main" id="{9559283F-C01D-4E04-AAFF-094FAE6B92A6}"/>
-              </a:ext>
-            </a:extLst>
-          </p:cNvPr>
-          <p:cNvPicPr>
-            <a:picLocks noChangeAspect="1"/>
-          </p:cNvPicPr>
-          <p:nvPr/>
-        </p:nvPicPr>
-        <p:blipFill rotWithShape="1">
-          <a:blip r:embed="rId3">
-            <a:extLst>
-              <a:ext uri="{28A0092B-C50C-407E-A947-70E740481C1C}">
-                <a14:useLocalDpi xmlns:a14="http://schemas.microsoft.com/office/drawing/2010/main" val="0"/>
-              </a:ext>
-            </a:extLst>
-          </a:blip>
-          <a:srcRect t="10731" r="2" b="2"/>
-          <a:stretch/>
-        </p:blipFill>
-        <p:spPr>
-          <a:xfrm>
-            <a:off x="10269039" y="0"/>
-            <a:ext cx="1922961" cy="1716604"/>
-          </a:xfrm>
-          <a:prstGeom prst="rect">
-            <a:avLst/>
-          </a:prstGeom>
-        </p:spPr>
-      </p:pic>
     </p:spTree>
     <p:extLst>
       <p:ext uri="{BB962C8B-B14F-4D97-AF65-F5344CB8AC3E}">
@@ -12195,6 +12193,13 @@
   <p:clrMapOvr>
     <a:masterClrMapping/>
   </p:clrMapOvr>
+  <p:timing>
+    <p:tnLst>
+      <p:par>
+        <p:cTn id="1" dur="indefinite" restart="never" nodeType="tmRoot"/>
+      </p:par>
+    </p:tnLst>
+  </p:timing>
 </p:sld>
 </file>
 
@@ -12251,41 +12256,6 @@
       </p:sp>
       <p:pic>
         <p:nvPicPr>
-          <p:cNvPr id="4" name="Picture 3" descr="A picture containing text, sign, vector graphics&#10;&#10;Description automatically generated">
-            <a:extLst>
-              <a:ext uri="{FF2B5EF4-FFF2-40B4-BE49-F238E27FC236}">
-                <a16:creationId xmlns:a16="http://schemas.microsoft.com/office/drawing/2014/main" id="{708614F4-E979-4011-90A5-0FEC75B08B44}"/>
-              </a:ext>
-            </a:extLst>
-          </p:cNvPr>
-          <p:cNvPicPr>
-            <a:picLocks noChangeAspect="1"/>
-          </p:cNvPicPr>
-          <p:nvPr/>
-        </p:nvPicPr>
-        <p:blipFill rotWithShape="1">
-          <a:blip r:embed="rId3">
-            <a:extLst>
-              <a:ext uri="{28A0092B-C50C-407E-A947-70E740481C1C}">
-                <a14:useLocalDpi xmlns:a14="http://schemas.microsoft.com/office/drawing/2010/main" val="0"/>
-              </a:ext>
-            </a:extLst>
-          </a:blip>
-          <a:srcRect t="10731" r="2" b="2"/>
-          <a:stretch/>
-        </p:blipFill>
-        <p:spPr>
-          <a:xfrm>
-            <a:off x="10269039" y="0"/>
-            <a:ext cx="1922961" cy="1716604"/>
-          </a:xfrm>
-          <a:prstGeom prst="rect">
-            <a:avLst/>
-          </a:prstGeom>
-        </p:spPr>
-      </p:pic>
-      <p:pic>
-        <p:nvPicPr>
           <p:cNvPr id="6" name="Picture 5">
             <a:extLst>
               <a:ext uri="{FF2B5EF4-FFF2-40B4-BE49-F238E27FC236}">
@@ -12299,7 +12269,7 @@
           <p:nvPr/>
         </p:nvPicPr>
         <p:blipFill>
-          <a:blip r:embed="rId4"/>
+          <a:blip r:embed="rId3"/>
           <a:stretch>
             <a:fillRect/>
           </a:stretch>
@@ -12329,7 +12299,7 @@
           <p:nvPr/>
         </p:nvPicPr>
         <p:blipFill>
-          <a:blip r:embed="rId5"/>
+          <a:blip r:embed="rId4"/>
           <a:stretch>
             <a:fillRect/>
           </a:stretch>
@@ -12354,6 +12324,13 @@
   <p:clrMapOvr>
     <a:masterClrMapping/>
   </p:clrMapOvr>
+  <p:timing>
+    <p:tnLst>
+      <p:par>
+        <p:cTn id="1" dur="indefinite" restart="never" nodeType="tmRoot"/>
+      </p:par>
+    </p:tnLst>
+  </p:timing>
 </p:sld>
 </file>
 
@@ -12390,7 +12367,7 @@
                 <a16:creationId xmlns:a16="http://schemas.microsoft.com/office/drawing/2014/main" id="{39E3965E-AC41-4711-9D10-E25ABB132D86}"/>
               </a:ext>
               <a:ext uri="{C183D7F6-B498-43B3-948B-1728B52AA6E4}">
-                <adec:decorative xmlns:adec="http://schemas.microsoft.com/office/drawing/2017/decorative" val="1"/>
+                <adec:decorative xmlns:adec="http://schemas.microsoft.com/office/drawing/2017/decorative" xmlns="" val="1"/>
               </a:ext>
             </a:extLst>
           </p:cNvPr>
@@ -12445,7 +12422,7 @@
                 <a16:creationId xmlns:a16="http://schemas.microsoft.com/office/drawing/2014/main" id="{1F5DC8C3-BA5F-4EED-BB9A-A14272BD82A1}"/>
               </a:ext>
               <a:ext uri="{C183D7F6-B498-43B3-948B-1728B52AA6E4}">
-                <adec:decorative xmlns:adec="http://schemas.microsoft.com/office/drawing/2017/decorative" val="1"/>
+                <adec:decorative xmlns:adec="http://schemas.microsoft.com/office/drawing/2017/decorative" xmlns="" val="1"/>
               </a:ext>
             </a:extLst>
           </p:cNvPr>
@@ -12500,7 +12477,7 @@
                 <a16:creationId xmlns:a16="http://schemas.microsoft.com/office/drawing/2014/main" id="{B4D0E555-16F6-44D0-BF56-AF5FF5BDE9D6}"/>
               </a:ext>
               <a:ext uri="{C183D7F6-B498-43B3-948B-1728B52AA6E4}">
-                <adec:decorative xmlns:adec="http://schemas.microsoft.com/office/drawing/2017/decorative" val="1"/>
+                <adec:decorative xmlns:adec="http://schemas.microsoft.com/office/drawing/2017/decorative" xmlns="" val="1"/>
               </a:ext>
             </a:extLst>
           </p:cNvPr>
@@ -12560,7 +12537,7 @@
                 <a16:creationId xmlns:a16="http://schemas.microsoft.com/office/drawing/2014/main" id="{8117041D-1A7B-4ECA-AB68-3CFDB6726B8E}"/>
               </a:ext>
               <a:ext uri="{C183D7F6-B498-43B3-948B-1728B52AA6E4}">
-                <adec:decorative xmlns:adec="http://schemas.microsoft.com/office/drawing/2017/decorative" val="1"/>
+                <adec:decorative xmlns:adec="http://schemas.microsoft.com/office/drawing/2017/decorative" xmlns="" val="1"/>
               </a:ext>
             </a:extLst>
           </p:cNvPr>
@@ -12681,7 +12658,7 @@
                 <a16:creationId xmlns:a16="http://schemas.microsoft.com/office/drawing/2014/main" id="{ABCD2462-4C1E-401A-AC2D-F799A138B245}"/>
               </a:ext>
               <a:ext uri="{C183D7F6-B498-43B3-948B-1728B52AA6E4}">
-                <adec:decorative xmlns:adec="http://schemas.microsoft.com/office/drawing/2017/decorative" val="1"/>
+                <adec:decorative xmlns:adec="http://schemas.microsoft.com/office/drawing/2017/decorative" xmlns="" val="1"/>
               </a:ext>
             </a:extLst>
           </p:cNvPr>
@@ -12765,6 +12742,13 @@
   <p:clrMapOvr>
     <a:masterClrMapping/>
   </p:clrMapOvr>
+  <p:timing>
+    <p:tnLst>
+      <p:par>
+        <p:cTn id="1" dur="indefinite" restart="never" nodeType="tmRoot"/>
+      </p:par>
+    </p:tnLst>
+  </p:timing>
 </p:sld>
 </file>
 
@@ -12823,41 +12807,6 @@
           </a:p>
         </p:txBody>
       </p:sp>
-      <p:pic>
-        <p:nvPicPr>
-          <p:cNvPr id="10" name="Picture 9" descr="A picture containing text, sign, vector graphics&#10;&#10;Description automatically generated">
-            <a:extLst>
-              <a:ext uri="{FF2B5EF4-FFF2-40B4-BE49-F238E27FC236}">
-                <a16:creationId xmlns:a16="http://schemas.microsoft.com/office/drawing/2014/main" id="{A3AFB8EB-FF52-4770-B9E8-E14DBB7D0526}"/>
-              </a:ext>
-            </a:extLst>
-          </p:cNvPr>
-          <p:cNvPicPr>
-            <a:picLocks noChangeAspect="1"/>
-          </p:cNvPicPr>
-          <p:nvPr/>
-        </p:nvPicPr>
-        <p:blipFill rotWithShape="1">
-          <a:blip r:embed="rId2">
-            <a:extLst>
-              <a:ext uri="{28A0092B-C50C-407E-A947-70E740481C1C}">
-                <a14:useLocalDpi xmlns:a14="http://schemas.microsoft.com/office/drawing/2010/main" val="0"/>
-              </a:ext>
-            </a:extLst>
-          </a:blip>
-          <a:srcRect t="10731" r="2" b="2"/>
-          <a:stretch/>
-        </p:blipFill>
-        <p:spPr>
-          <a:xfrm>
-            <a:off x="10269039" y="0"/>
-            <a:ext cx="1922961" cy="1716604"/>
-          </a:xfrm>
-          <a:prstGeom prst="rect">
-            <a:avLst/>
-          </a:prstGeom>
-        </p:spPr>
-      </p:pic>
       <p:graphicFrame>
         <p:nvGraphicFramePr>
           <p:cNvPr id="14" name="Diagram 13">
@@ -12882,7 +12831,7 @@
         </p:xfrm>
         <a:graphic>
           <a:graphicData uri="http://schemas.openxmlformats.org/drawingml/2006/diagram">
-            <dgm:relIds xmlns:dgm="http://schemas.openxmlformats.org/drawingml/2006/diagram" xmlns:r="http://schemas.openxmlformats.org/officeDocument/2006/relationships" r:dm="rId3" r:lo="rId4" r:qs="rId5" r:cs="rId6"/>
+            <dgm:relIds xmlns:dgm="http://schemas.openxmlformats.org/drawingml/2006/diagram" xmlns:r="http://schemas.openxmlformats.org/officeDocument/2006/relationships" r:dm="rId2" r:lo="rId3" r:qs="rId4" r:cs="rId5"/>
           </a:graphicData>
         </a:graphic>
       </p:graphicFrame>
@@ -13048,6 +12997,13 @@
   <p:clrMapOvr>
     <a:masterClrMapping/>
   </p:clrMapOvr>
+  <p:timing>
+    <p:tnLst>
+      <p:par>
+        <p:cTn id="1" dur="indefinite" restart="never" nodeType="tmRoot"/>
+      </p:par>
+    </p:tnLst>
+  </p:timing>
 </p:sld>
 </file>
 
@@ -13084,7 +13040,7 @@
                 <a16:creationId xmlns:a16="http://schemas.microsoft.com/office/drawing/2014/main" id="{39E3965E-AC41-4711-9D10-E25ABB132D86}"/>
               </a:ext>
               <a:ext uri="{C183D7F6-B498-43B3-948B-1728B52AA6E4}">
-                <adec:decorative xmlns:adec="http://schemas.microsoft.com/office/drawing/2017/decorative" val="1"/>
+                <adec:decorative xmlns:adec="http://schemas.microsoft.com/office/drawing/2017/decorative" xmlns="" val="1"/>
               </a:ext>
             </a:extLst>
           </p:cNvPr>
@@ -13139,7 +13095,7 @@
                 <a16:creationId xmlns:a16="http://schemas.microsoft.com/office/drawing/2014/main" id="{1F5DC8C3-BA5F-4EED-BB9A-A14272BD82A1}"/>
               </a:ext>
               <a:ext uri="{C183D7F6-B498-43B3-948B-1728B52AA6E4}">
-                <adec:decorative xmlns:adec="http://schemas.microsoft.com/office/drawing/2017/decorative" val="1"/>
+                <adec:decorative xmlns:adec="http://schemas.microsoft.com/office/drawing/2017/decorative" xmlns="" val="1"/>
               </a:ext>
             </a:extLst>
           </p:cNvPr>
@@ -13194,7 +13150,7 @@
                 <a16:creationId xmlns:a16="http://schemas.microsoft.com/office/drawing/2014/main" id="{B4D0E555-16F6-44D0-BF56-AF5FF5BDE9D6}"/>
               </a:ext>
               <a:ext uri="{C183D7F6-B498-43B3-948B-1728B52AA6E4}">
-                <adec:decorative xmlns:adec="http://schemas.microsoft.com/office/drawing/2017/decorative" val="1"/>
+                <adec:decorative xmlns:adec="http://schemas.microsoft.com/office/drawing/2017/decorative" xmlns="" val="1"/>
               </a:ext>
             </a:extLst>
           </p:cNvPr>
@@ -13254,7 +13210,7 @@
                 <a16:creationId xmlns:a16="http://schemas.microsoft.com/office/drawing/2014/main" id="{8117041D-1A7B-4ECA-AB68-3CFDB6726B8E}"/>
               </a:ext>
               <a:ext uri="{C183D7F6-B498-43B3-948B-1728B52AA6E4}">
-                <adec:decorative xmlns:adec="http://schemas.microsoft.com/office/drawing/2017/decorative" val="1"/>
+                <adec:decorative xmlns:adec="http://schemas.microsoft.com/office/drawing/2017/decorative" xmlns="" val="1"/>
               </a:ext>
             </a:extLst>
           </p:cNvPr>
@@ -13375,7 +13331,7 @@
                 <a16:creationId xmlns:a16="http://schemas.microsoft.com/office/drawing/2014/main" id="{ABCD2462-4C1E-401A-AC2D-F799A138B245}"/>
               </a:ext>
               <a:ext uri="{C183D7F6-B498-43B3-948B-1728B52AA6E4}">
-                <adec:decorative xmlns:adec="http://schemas.microsoft.com/office/drawing/2017/decorative" val="1"/>
+                <adec:decorative xmlns:adec="http://schemas.microsoft.com/office/drawing/2017/decorative" xmlns="" val="1"/>
               </a:ext>
             </a:extLst>
           </p:cNvPr>
@@ -13419,41 +13375,6 @@
           </a:fontRef>
         </p:style>
       </p:cxnSp>
-      <p:pic>
-        <p:nvPicPr>
-          <p:cNvPr id="2" name="Picture 1" descr="A picture containing text, sign, vector graphics&#10;&#10;Description automatically generated">
-            <a:extLst>
-              <a:ext uri="{FF2B5EF4-FFF2-40B4-BE49-F238E27FC236}">
-                <a16:creationId xmlns:a16="http://schemas.microsoft.com/office/drawing/2014/main" id="{B4955918-DEB8-4429-AF88-C78E04215EB8}"/>
-              </a:ext>
-            </a:extLst>
-          </p:cNvPr>
-          <p:cNvPicPr>
-            <a:picLocks noChangeAspect="1"/>
-          </p:cNvPicPr>
-          <p:nvPr/>
-        </p:nvPicPr>
-        <p:blipFill rotWithShape="1">
-          <a:blip r:embed="rId2">
-            <a:extLst>
-              <a:ext uri="{28A0092B-C50C-407E-A947-70E740481C1C}">
-                <a14:useLocalDpi xmlns:a14="http://schemas.microsoft.com/office/drawing/2010/main" val="0"/>
-              </a:ext>
-            </a:extLst>
-          </a:blip>
-          <a:srcRect t="10731" r="2" b="2"/>
-          <a:stretch/>
-        </p:blipFill>
-        <p:spPr>
-          <a:xfrm>
-            <a:off x="5295986" y="640080"/>
-            <a:ext cx="6248365" cy="5577840"/>
-          </a:xfrm>
-          <a:prstGeom prst="rect">
-            <a:avLst/>
-          </a:prstGeom>
-        </p:spPr>
-      </p:pic>
     </p:spTree>
     <p:extLst>
       <p:ext uri="{BB962C8B-B14F-4D97-AF65-F5344CB8AC3E}">
@@ -13464,6 +13385,13 @@
   <p:clrMapOvr>
     <a:masterClrMapping/>
   </p:clrMapOvr>
+  <p:timing>
+    <p:tnLst>
+      <p:par>
+        <p:cTn id="1" dur="indefinite" restart="never" nodeType="tmRoot"/>
+      </p:par>
+    </p:tnLst>
+  </p:timing>
 </p:sld>
 </file>
 
@@ -13520,41 +13448,6 @@
           </a:p>
         </p:txBody>
       </p:sp>
-      <p:pic>
-        <p:nvPicPr>
-          <p:cNvPr id="4" name="Picture 3" descr="A picture containing text, sign, vector graphics&#10;&#10;Description automatically generated">
-            <a:extLst>
-              <a:ext uri="{FF2B5EF4-FFF2-40B4-BE49-F238E27FC236}">
-                <a16:creationId xmlns:a16="http://schemas.microsoft.com/office/drawing/2014/main" id="{708614F4-E979-4011-90A5-0FEC75B08B44}"/>
-              </a:ext>
-            </a:extLst>
-          </p:cNvPr>
-          <p:cNvPicPr>
-            <a:picLocks noChangeAspect="1"/>
-          </p:cNvPicPr>
-          <p:nvPr/>
-        </p:nvPicPr>
-        <p:blipFill rotWithShape="1">
-          <a:blip r:embed="rId3">
-            <a:extLst>
-              <a:ext uri="{28A0092B-C50C-407E-A947-70E740481C1C}">
-                <a14:useLocalDpi xmlns:a14="http://schemas.microsoft.com/office/drawing/2010/main" val="0"/>
-              </a:ext>
-            </a:extLst>
-          </a:blip>
-          <a:srcRect t="10731" r="2" b="2"/>
-          <a:stretch/>
-        </p:blipFill>
-        <p:spPr>
-          <a:xfrm>
-            <a:off x="10269039" y="0"/>
-            <a:ext cx="1922961" cy="1716604"/>
-          </a:xfrm>
-          <a:prstGeom prst="rect">
-            <a:avLst/>
-          </a:prstGeom>
-        </p:spPr>
-      </p:pic>
       <p:sp>
         <p:nvSpPr>
           <p:cNvPr id="5" name="Rectangle: Rounded Corners 4">
@@ -14152,6 +14045,13 @@
   <p:clrMapOvr>
     <a:masterClrMapping/>
   </p:clrMapOvr>
+  <p:timing>
+    <p:tnLst>
+      <p:par>
+        <p:cTn id="1" dur="indefinite" restart="never" nodeType="tmRoot"/>
+      </p:par>
+    </p:tnLst>
+  </p:timing>
 </p:sld>
 </file>
 
@@ -14212,41 +14112,6 @@
       </p:pic>
       <p:pic>
         <p:nvPicPr>
-          <p:cNvPr id="10" name="Picture 9" descr="A picture containing text, sign, vector graphics&#10;&#10;Description automatically generated">
-            <a:extLst>
-              <a:ext uri="{FF2B5EF4-FFF2-40B4-BE49-F238E27FC236}">
-                <a16:creationId xmlns:a16="http://schemas.microsoft.com/office/drawing/2014/main" id="{A7CD191B-9594-40A7-8087-8D514F8FAB93}"/>
-              </a:ext>
-            </a:extLst>
-          </p:cNvPr>
-          <p:cNvPicPr>
-            <a:picLocks noChangeAspect="1"/>
-          </p:cNvPicPr>
-          <p:nvPr/>
-        </p:nvPicPr>
-        <p:blipFill rotWithShape="1">
-          <a:blip r:embed="rId4">
-            <a:extLst>
-              <a:ext uri="{28A0092B-C50C-407E-A947-70E740481C1C}">
-                <a14:useLocalDpi xmlns:a14="http://schemas.microsoft.com/office/drawing/2010/main" val="0"/>
-              </a:ext>
-            </a:extLst>
-          </a:blip>
-          <a:srcRect t="10731" r="2" b="2"/>
-          <a:stretch/>
-        </p:blipFill>
-        <p:spPr>
-          <a:xfrm>
-            <a:off x="10269039" y="0"/>
-            <a:ext cx="1922961" cy="1716604"/>
-          </a:xfrm>
-          <a:prstGeom prst="rect">
-            <a:avLst/>
-          </a:prstGeom>
-        </p:spPr>
-      </p:pic>
-      <p:pic>
-        <p:nvPicPr>
           <p:cNvPr id="3" name="Picture 2">
             <a:extLst>
               <a:ext uri="{FF2B5EF4-FFF2-40B4-BE49-F238E27FC236}">
@@ -14260,7 +14125,7 @@
           <p:nvPr/>
         </p:nvPicPr>
         <p:blipFill>
-          <a:blip r:embed="rId5"/>
+          <a:blip r:embed="rId4"/>
           <a:stretch>
             <a:fillRect/>
           </a:stretch>
@@ -14285,6 +14150,13 @@
   <p:clrMapOvr>
     <a:masterClrMapping/>
   </p:clrMapOvr>
+  <p:timing>
+    <p:tnLst>
+      <p:par>
+        <p:cTn id="1" dur="indefinite" restart="never" nodeType="tmRoot"/>
+      </p:par>
+    </p:tnLst>
+  </p:timing>
 </p:sld>
 </file>
 
@@ -14346,41 +14218,6 @@
       </p:sp>
       <p:pic>
         <p:nvPicPr>
-          <p:cNvPr id="4" name="Picture 3" descr="A picture containing text, sign, vector graphics&#10;&#10;Description automatically generated">
-            <a:extLst>
-              <a:ext uri="{FF2B5EF4-FFF2-40B4-BE49-F238E27FC236}">
-                <a16:creationId xmlns:a16="http://schemas.microsoft.com/office/drawing/2014/main" id="{708614F4-E979-4011-90A5-0FEC75B08B44}"/>
-              </a:ext>
-            </a:extLst>
-          </p:cNvPr>
-          <p:cNvPicPr>
-            <a:picLocks noChangeAspect="1"/>
-          </p:cNvPicPr>
-          <p:nvPr/>
-        </p:nvPicPr>
-        <p:blipFill rotWithShape="1">
-          <a:blip r:embed="rId3">
-            <a:extLst>
-              <a:ext uri="{28A0092B-C50C-407E-A947-70E740481C1C}">
-                <a14:useLocalDpi xmlns:a14="http://schemas.microsoft.com/office/drawing/2010/main" val="0"/>
-              </a:ext>
-            </a:extLst>
-          </a:blip>
-          <a:srcRect t="10731" r="2" b="2"/>
-          <a:stretch/>
-        </p:blipFill>
-        <p:spPr>
-          <a:xfrm>
-            <a:off x="10269039" y="0"/>
-            <a:ext cx="1922961" cy="1716604"/>
-          </a:xfrm>
-          <a:prstGeom prst="rect">
-            <a:avLst/>
-          </a:prstGeom>
-        </p:spPr>
-      </p:pic>
-      <p:pic>
-        <p:nvPicPr>
           <p:cNvPr id="5" name="Picture 4">
             <a:extLst>
               <a:ext uri="{FF2B5EF4-FFF2-40B4-BE49-F238E27FC236}">
@@ -14394,7 +14231,7 @@
           <p:nvPr/>
         </p:nvPicPr>
         <p:blipFill>
-          <a:blip r:embed="rId4"/>
+          <a:blip r:embed="rId3"/>
           <a:stretch>
             <a:fillRect/>
           </a:stretch>
@@ -14419,6 +14256,13 @@
   <p:clrMapOvr>
     <a:masterClrMapping/>
   </p:clrMapOvr>
+  <p:timing>
+    <p:tnLst>
+      <p:par>
+        <p:cTn id="1" dur="indefinite" restart="never" nodeType="tmRoot"/>
+      </p:par>
+    </p:tnLst>
+  </p:timing>
 </p:sld>
 </file>
 
@@ -14480,41 +14324,6 @@
       </p:sp>
       <p:pic>
         <p:nvPicPr>
-          <p:cNvPr id="4" name="Picture 3" descr="A picture containing text, sign, vector graphics&#10;&#10;Description automatically generated">
-            <a:extLst>
-              <a:ext uri="{FF2B5EF4-FFF2-40B4-BE49-F238E27FC236}">
-                <a16:creationId xmlns:a16="http://schemas.microsoft.com/office/drawing/2014/main" id="{708614F4-E979-4011-90A5-0FEC75B08B44}"/>
-              </a:ext>
-            </a:extLst>
-          </p:cNvPr>
-          <p:cNvPicPr>
-            <a:picLocks noChangeAspect="1"/>
-          </p:cNvPicPr>
-          <p:nvPr/>
-        </p:nvPicPr>
-        <p:blipFill rotWithShape="1">
-          <a:blip r:embed="rId3">
-            <a:extLst>
-              <a:ext uri="{28A0092B-C50C-407E-A947-70E740481C1C}">
-                <a14:useLocalDpi xmlns:a14="http://schemas.microsoft.com/office/drawing/2010/main" val="0"/>
-              </a:ext>
-            </a:extLst>
-          </a:blip>
-          <a:srcRect t="10731" r="2" b="2"/>
-          <a:stretch/>
-        </p:blipFill>
-        <p:spPr>
-          <a:xfrm>
-            <a:off x="10269039" y="0"/>
-            <a:ext cx="1922961" cy="1716604"/>
-          </a:xfrm>
-          <a:prstGeom prst="rect">
-            <a:avLst/>
-          </a:prstGeom>
-        </p:spPr>
-      </p:pic>
-      <p:pic>
-        <p:nvPicPr>
           <p:cNvPr id="3" name="Picture 2">
             <a:extLst>
               <a:ext uri="{FF2B5EF4-FFF2-40B4-BE49-F238E27FC236}">
@@ -14528,7 +14337,7 @@
           <p:nvPr/>
         </p:nvPicPr>
         <p:blipFill>
-          <a:blip r:embed="rId4"/>
+          <a:blip r:embed="rId3"/>
           <a:stretch>
             <a:fillRect/>
           </a:stretch>
@@ -14553,6 +14362,13 @@
   <p:clrMapOvr>
     <a:masterClrMapping/>
   </p:clrMapOvr>
+  <p:timing>
+    <p:tnLst>
+      <p:par>
+        <p:cTn id="1" dur="indefinite" restart="never" nodeType="tmRoot"/>
+      </p:par>
+    </p:tnLst>
+  </p:timing>
 </p:sld>
 </file>
 
@@ -14614,41 +14430,6 @@
       </p:sp>
       <p:pic>
         <p:nvPicPr>
-          <p:cNvPr id="4" name="Picture 3" descr="A picture containing text, sign, vector graphics&#10;&#10;Description automatically generated">
-            <a:extLst>
-              <a:ext uri="{FF2B5EF4-FFF2-40B4-BE49-F238E27FC236}">
-                <a16:creationId xmlns:a16="http://schemas.microsoft.com/office/drawing/2014/main" id="{708614F4-E979-4011-90A5-0FEC75B08B44}"/>
-              </a:ext>
-            </a:extLst>
-          </p:cNvPr>
-          <p:cNvPicPr>
-            <a:picLocks noChangeAspect="1"/>
-          </p:cNvPicPr>
-          <p:nvPr/>
-        </p:nvPicPr>
-        <p:blipFill rotWithShape="1">
-          <a:blip r:embed="rId3">
-            <a:extLst>
-              <a:ext uri="{28A0092B-C50C-407E-A947-70E740481C1C}">
-                <a14:useLocalDpi xmlns:a14="http://schemas.microsoft.com/office/drawing/2010/main" val="0"/>
-              </a:ext>
-            </a:extLst>
-          </a:blip>
-          <a:srcRect t="10731" r="2" b="2"/>
-          <a:stretch/>
-        </p:blipFill>
-        <p:spPr>
-          <a:xfrm>
-            <a:off x="10269039" y="0"/>
-            <a:ext cx="1922961" cy="1716604"/>
-          </a:xfrm>
-          <a:prstGeom prst="rect">
-            <a:avLst/>
-          </a:prstGeom>
-        </p:spPr>
-      </p:pic>
-      <p:pic>
-        <p:nvPicPr>
           <p:cNvPr id="5" name="Picture 4">
             <a:extLst>
               <a:ext uri="{FF2B5EF4-FFF2-40B4-BE49-F238E27FC236}">
@@ -14662,7 +14443,7 @@
           <p:nvPr/>
         </p:nvPicPr>
         <p:blipFill>
-          <a:blip r:embed="rId4"/>
+          <a:blip r:embed="rId3"/>
           <a:stretch>
             <a:fillRect/>
           </a:stretch>
@@ -14740,7 +14521,7 @@
           <p:nvPr/>
         </p:nvPicPr>
         <p:blipFill>
-          <a:blip r:embed="rId5">
+          <a:blip r:embed="rId4">
             <a:extLst>
               <a:ext uri="{28A0092B-C50C-407E-A947-70E740481C1C}">
                 <a14:useLocalDpi xmlns:a14="http://schemas.microsoft.com/office/drawing/2010/main" val="0"/>
@@ -14782,6 +14563,13 @@
   <p:clrMapOvr>
     <a:masterClrMapping/>
   </p:clrMapOvr>
+  <p:timing>
+    <p:tnLst>
+      <p:par>
+        <p:cTn id="1" dur="indefinite" restart="never" nodeType="tmRoot"/>
+      </p:par>
+    </p:tnLst>
+  </p:timing>
 </p:sld>
 </file>
 
@@ -14843,41 +14631,6 @@
       </p:sp>
       <p:pic>
         <p:nvPicPr>
-          <p:cNvPr id="4" name="Picture 3" descr="A picture containing text, sign, vector graphics&#10;&#10;Description automatically generated">
-            <a:extLst>
-              <a:ext uri="{FF2B5EF4-FFF2-40B4-BE49-F238E27FC236}">
-                <a16:creationId xmlns:a16="http://schemas.microsoft.com/office/drawing/2014/main" id="{708614F4-E979-4011-90A5-0FEC75B08B44}"/>
-              </a:ext>
-            </a:extLst>
-          </p:cNvPr>
-          <p:cNvPicPr>
-            <a:picLocks noChangeAspect="1"/>
-          </p:cNvPicPr>
-          <p:nvPr/>
-        </p:nvPicPr>
-        <p:blipFill rotWithShape="1">
-          <a:blip r:embed="rId3">
-            <a:extLst>
-              <a:ext uri="{28A0092B-C50C-407E-A947-70E740481C1C}">
-                <a14:useLocalDpi xmlns:a14="http://schemas.microsoft.com/office/drawing/2010/main" val="0"/>
-              </a:ext>
-            </a:extLst>
-          </a:blip>
-          <a:srcRect t="10731" r="2" b="2"/>
-          <a:stretch/>
-        </p:blipFill>
-        <p:spPr>
-          <a:xfrm>
-            <a:off x="10269039" y="0"/>
-            <a:ext cx="1922961" cy="1716604"/>
-          </a:xfrm>
-          <a:prstGeom prst="rect">
-            <a:avLst/>
-          </a:prstGeom>
-        </p:spPr>
-      </p:pic>
-      <p:pic>
-        <p:nvPicPr>
           <p:cNvPr id="2050" name="Picture 2" descr="Bàn Phím Ma Trận Mềm 4x4 - Nshop">
             <a:extLst>
               <a:ext uri="{FF2B5EF4-FFF2-40B4-BE49-F238E27FC236}">
@@ -14891,7 +14644,7 @@
           <p:nvPr/>
         </p:nvPicPr>
         <p:blipFill>
-          <a:blip r:embed="rId4">
+          <a:blip r:embed="rId3">
             <a:extLst>
               <a:ext uri="{28A0092B-C50C-407E-A947-70E740481C1C}">
                 <a14:useLocalDpi xmlns:a14="http://schemas.microsoft.com/office/drawing/2010/main" val="0"/>
@@ -14933,6 +14686,13 @@
   <p:clrMapOvr>
     <a:masterClrMapping/>
   </p:clrMapOvr>
+  <p:timing>
+    <p:tnLst>
+      <p:par>
+        <p:cTn id="1" dur="indefinite" restart="never" nodeType="tmRoot"/>
+      </p:par>
+    </p:tnLst>
+  </p:timing>
 </p:sld>
 </file>
 
@@ -15515,12 +15275,27 @@
 </file>
 
 <file path=customXml/item1.xml><?xml version="1.0" encoding="utf-8"?>
+<p:properties xmlns:p="http://schemas.microsoft.com/office/2006/metadata/properties" xmlns:xsi="http://www.w3.org/2001/XMLSchema-instance" xmlns:pc="http://schemas.microsoft.com/office/infopath/2007/PartnerControls">
+  <documentManagement/>
+</p:properties>
+</file>
+
+<file path=customXml/item2.xml><?xml version="1.0" encoding="utf-8"?>
 <Control xmlns="http://schemas.microsoft.com/VisualStudio/2011/storyboarding/control">
   <Id Name="856ce206-a1a7-416d-b62e-e5acd5f212e5" Revision="1" Stencil="System.MyShapes" StencilVersion="1.0"/>
 </Control>
 </file>
 
-<file path=customXml/item2.xml><?xml version="1.0" encoding="utf-8"?>
+<file path=customXml/item3.xml><?xml version="1.0" encoding="utf-8"?>
+<?mso-contentType ?>
+<FormTemplates xmlns="http://schemas.microsoft.com/sharepoint/v3/contenttype/forms">
+  <Display>DocumentLibraryForm</Display>
+  <Edit>DocumentLibraryForm</Edit>
+  <New>DocumentLibraryForm</New>
+</FormTemplates>
+</file>
+
+<file path=customXml/item4.xml><?xml version="1.0" encoding="utf-8"?>
 <ct:contentTypeSchema xmlns:ct="http://schemas.microsoft.com/office/2006/metadata/contentType" xmlns:ma="http://schemas.microsoft.com/office/2006/metadata/properties/metaAttributes" ct:_="" ma:_="" ma:contentTypeName="Document" ma:contentTypeID="0x010100F1E4B5ECFB153C4C8D32F9A4CE3FEA67" ma:contentTypeVersion="8" ma:contentTypeDescription="Create a new document." ma:contentTypeScope="" ma:versionID="8632435a17cbf4f45145c2b7a605b133">
   <xsd:schema xmlns:xsd="http://www.w3.org/2001/XMLSchema" xmlns:xs="http://www.w3.org/2001/XMLSchema" xmlns:p="http://schemas.microsoft.com/office/2006/metadata/properties" xmlns:ns2="8dc4f5da-c9d6-4fa2-9bd4-f8b062bc8f4a" targetNamespace="http://schemas.microsoft.com/office/2006/metadata/properties" ma:root="true" ma:fieldsID="e239851d41d673466e1bf6d10412e374" ns2:_="">
     <xsd:import namespace="8dc4f5da-c9d6-4fa2-9bd4-f8b062bc8f4a"/>
@@ -15690,22 +15465,16 @@
 </ct:contentTypeSchema>
 </file>
 
-<file path=customXml/item3.xml><?xml version="1.0" encoding="utf-8"?>
-<?mso-contentType ?>
-<FormTemplates xmlns="http://schemas.microsoft.com/sharepoint/v3/contenttype/forms">
-  <Display>DocumentLibraryForm</Display>
-  <Edit>DocumentLibraryForm</Edit>
-  <New>DocumentLibraryForm</New>
-</FormTemplates>
+<file path=customXml/itemProps1.xml><?xml version="1.0" encoding="utf-8"?>
+<ds:datastoreItem xmlns:ds="http://schemas.openxmlformats.org/officeDocument/2006/customXml" ds:itemID="{0C9D379B-0FD9-4E36-B382-0F8F04F034A7}">
+  <ds:schemaRefs>
+    <ds:schemaRef ds:uri="http://schemas.microsoft.com/office/2006/metadata/properties"/>
+    <ds:schemaRef ds:uri="http://schemas.microsoft.com/office/infopath/2007/PartnerControls"/>
+  </ds:schemaRefs>
+</ds:datastoreItem>
 </file>
 
-<file path=customXml/item4.xml><?xml version="1.0" encoding="utf-8"?>
-<p:properties xmlns:p="http://schemas.microsoft.com/office/2006/metadata/properties" xmlns:xsi="http://www.w3.org/2001/XMLSchema-instance" xmlns:pc="http://schemas.microsoft.com/office/infopath/2007/PartnerControls">
-  <documentManagement/>
-</p:properties>
-</file>
-
-<file path=customXml/itemProps1.xml><?xml version="1.0" encoding="utf-8"?>
+<file path=customXml/itemProps2.xml><?xml version="1.0" encoding="utf-8"?>
 <ds:datastoreItem xmlns:ds="http://schemas.openxmlformats.org/officeDocument/2006/customXml" ds:itemID="{ACA0F34E-C7CA-46AB-8A89-8C6B47DC65F8}">
   <ds:schemaRefs>
     <ds:schemaRef ds:uri="http://schemas.microsoft.com/VisualStudio/2011/storyboarding/control"/>
@@ -15713,14 +15482,28 @@
 </ds:datastoreItem>
 </file>
 
-<file path=customXml/itemProps2.xml><?xml version="1.0" encoding="utf-8"?>
-<ds:datastoreItem xmlns:ds="http://schemas.openxmlformats.org/officeDocument/2006/customXml" ds:itemID="{1C551CF8-EE36-4149-97C7-89401705DB27}"/>
-</file>
-
 <file path=customXml/itemProps3.xml><?xml version="1.0" encoding="utf-8"?>
-<ds:datastoreItem xmlns:ds="http://schemas.openxmlformats.org/officeDocument/2006/customXml" ds:itemID="{1139FDBE-BD1B-4E49-9F50-02D475999514}"/>
+<ds:datastoreItem xmlns:ds="http://schemas.openxmlformats.org/officeDocument/2006/customXml" ds:itemID="{1139FDBE-BD1B-4E49-9F50-02D475999514}">
+  <ds:schemaRefs>
+    <ds:schemaRef ds:uri="http://schemas.microsoft.com/sharepoint/v3/contenttype/forms"/>
+  </ds:schemaRefs>
+</ds:datastoreItem>
 </file>
 
 <file path=customXml/itemProps4.xml><?xml version="1.0" encoding="utf-8"?>
-<ds:datastoreItem xmlns:ds="http://schemas.openxmlformats.org/officeDocument/2006/customXml" ds:itemID="{0C9D379B-0FD9-4E36-B382-0F8F04F034A7}"/>
+<ds:datastoreItem xmlns:ds="http://schemas.openxmlformats.org/officeDocument/2006/customXml" ds:itemID="{1C551CF8-EE36-4149-97C7-89401705DB27}">
+  <ds:schemaRefs>
+    <ds:schemaRef ds:uri="http://schemas.microsoft.com/office/2006/metadata/contentType"/>
+    <ds:schemaRef ds:uri="http://schemas.microsoft.com/office/2006/metadata/properties/metaAttributes"/>
+    <ds:schemaRef ds:uri="http://www.w3.org/2001/XMLSchema"/>
+    <ds:schemaRef ds:uri="http://schemas.microsoft.com/office/2006/metadata/properties"/>
+    <ds:schemaRef ds:uri="8dc4f5da-c9d6-4fa2-9bd4-f8b062bc8f4a"/>
+    <ds:schemaRef ds:uri="http://schemas.microsoft.com/office/2006/documentManagement/types"/>
+    <ds:schemaRef ds:uri="http://schemas.microsoft.com/office/infopath/2007/PartnerControls"/>
+    <ds:schemaRef ds:uri="http://schemas.openxmlformats.org/package/2006/metadata/core-properties"/>
+    <ds:schemaRef ds:uri="http://purl.org/dc/elements/1.1/"/>
+    <ds:schemaRef ds:uri="http://purl.org/dc/terms/"/>
+    <ds:schemaRef ds:uri="http://schemas.microsoft.com/internal/obd"/>
+  </ds:schemaRefs>
+</ds:datastoreItem>
 </file>